--- a/gr2_lhj/user_w_hj_edit_reward.pptx
+++ b/gr2_lhj/user_w_hj_edit_reward.pptx
@@ -5225,15 +5225,7 @@
                             <a:schemeClr val="dk1"/>
                           </a:solidFill>
                         </a:rPr>
-                        <a:t>프로젝트 </a:t>
-                      </a:r>
-                      <a:r>
-                        <a:rPr lang="ko-KR" altLang="en-US" sz="1500" b="0" u="none" strike="noStrike" cap="none" dirty="0" smtClean="0">
-                          <a:solidFill>
-                            <a:schemeClr val="dk1"/>
-                          </a:solidFill>
-                        </a:rPr>
-                        <a:t>수정</a:t>
+                        <a:t>프로젝트 수정</a:t>
                       </a:r>
                       <a:endParaRPr sz="1500" b="0" u="none" strike="noStrike" cap="none" dirty="0">
                         <a:solidFill>
@@ -6189,19 +6181,7 @@
                       </a:pPr>
                       <a:r>
                         <a:rPr lang="ko-KR" altLang="en-US" sz="1300" b="0" u="none" strike="noStrike" cap="none" dirty="0" smtClean="0"/>
-                        <a:t>프로젝트를 </a:t>
-                      </a:r>
-                      <a:r>
-                        <a:rPr lang="ko-KR" altLang="en-US" sz="1300" b="0" u="none" strike="noStrike" cap="none" dirty="0" smtClean="0"/>
-                        <a:t>수정을 </a:t>
-                      </a:r>
-                      <a:r>
-                        <a:rPr lang="ko-KR" altLang="en-US" sz="1300" b="0" u="none" strike="noStrike" cap="none" dirty="0" smtClean="0"/>
-                        <a:t>위한 기본 </a:t>
-                      </a:r>
-                      <a:r>
-                        <a:rPr lang="ko-KR" altLang="en-US" sz="1300" b="0" u="none" strike="noStrike" cap="none" dirty="0" smtClean="0"/>
-                        <a:t>정보들은 그대로 표시</a:t>
+                        <a:t>프로젝트를 수정을 위한 기본 정보들은 그대로 표시</a:t>
                       </a:r>
                       <a:endParaRPr lang="en-US" altLang="ko-KR" sz="1300" b="0" u="none" strike="noStrike" cap="none" dirty="0" smtClean="0"/>
                     </a:p>
@@ -6446,17 +6426,12 @@
           <a:p>
             <a:r>
               <a:rPr lang="ko-KR" altLang="en-US" sz="1000" dirty="0" smtClean="0"/>
-              <a:t>프로젝트 </a:t>
-            </a:r>
-            <a:r>
-              <a:rPr lang="ko-KR" altLang="en-US" sz="1000" dirty="0" smtClean="0"/>
-              <a:t>수</a:t>
+              <a:t>프로젝트 수</a:t>
             </a:r>
             <a:r>
               <a:rPr lang="ko-KR" altLang="en-US" sz="1000" dirty="0"/>
               <a:t>정</a:t>
             </a:r>
-            <a:endParaRPr lang="ko-KR" altLang="en-US" sz="1000" dirty="0"/>
           </a:p>
         </p:txBody>
       </p:sp>
@@ -7421,7 +7396,7 @@
           <p:nvPr>
             <p:extLst>
               <p:ext uri="{D42A27DB-BD31-4B8C-83A1-F6EECF244321}">
-                <p14:modId xmlns:p14="http://schemas.microsoft.com/office/powerpoint/2010/main" val="3998622837"/>
+                <p14:modId xmlns:p14="http://schemas.microsoft.com/office/powerpoint/2010/main" val="3714253762"/>
               </p:ext>
             </p:extLst>
           </p:nvPr>
@@ -7556,7 +7531,7 @@
                             <a:schemeClr val="dk1"/>
                           </a:solidFill>
                         </a:rPr>
-                        <a:t>user_w_hj_edit_reward</a:t>
+                        <a:t>user_m_hj_edit_reward</a:t>
                       </a:r>
                       <a:endParaRPr sz="1100" b="0" u="none" strike="noStrike" cap="none" dirty="0">
                         <a:solidFill>
@@ -7716,15 +7691,7 @@
                             <a:schemeClr val="dk1"/>
                           </a:solidFill>
                         </a:rPr>
-                        <a:t>프로젝트 </a:t>
-                      </a:r>
-                      <a:r>
-                        <a:rPr lang="ko-KR" altLang="en-US" sz="1500" b="0" u="none" strike="noStrike" cap="none" dirty="0" smtClean="0">
-                          <a:solidFill>
-                            <a:schemeClr val="dk1"/>
-                          </a:solidFill>
-                        </a:rPr>
-                        <a:t>수정</a:t>
+                        <a:t>프로젝트 수정</a:t>
                       </a:r>
                       <a:endParaRPr sz="1500" b="0" u="none" strike="noStrike" cap="none" dirty="0">
                         <a:solidFill>
@@ -10044,7 +10011,7 @@
           <p:nvPr>
             <p:extLst>
               <p:ext uri="{D42A27DB-BD31-4B8C-83A1-F6EECF244321}">
-                <p14:modId xmlns:p14="http://schemas.microsoft.com/office/powerpoint/2010/main" val="3202133779"/>
+                <p14:modId xmlns:p14="http://schemas.microsoft.com/office/powerpoint/2010/main" val="3652679392"/>
               </p:ext>
             </p:extLst>
           </p:nvPr>
@@ -10179,7 +10146,7 @@
                             <a:schemeClr val="dk1"/>
                           </a:solidFill>
                         </a:rPr>
-                        <a:t>user_w_hj_edit_reward</a:t>
+                        <a:t>user_m_hj_edit_reward</a:t>
                       </a:r>
                       <a:endParaRPr sz="1100" b="0" u="none" strike="noStrike" cap="none" dirty="0">
                         <a:solidFill>
@@ -10339,15 +10306,7 @@
                             <a:schemeClr val="dk1"/>
                           </a:solidFill>
                         </a:rPr>
-                        <a:t>프로젝트 </a:t>
-                      </a:r>
-                      <a:r>
-                        <a:rPr lang="ko-KR" altLang="en-US" sz="1500" b="0" u="none" strike="noStrike" cap="none" dirty="0" smtClean="0">
-                          <a:solidFill>
-                            <a:schemeClr val="dk1"/>
-                          </a:solidFill>
-                        </a:rPr>
-                        <a:t>수정</a:t>
+                        <a:t>프로젝트 수정</a:t>
                       </a:r>
                       <a:endParaRPr sz="1500" b="0" u="none" strike="noStrike" cap="none" dirty="0">
                         <a:solidFill>
@@ -11992,7 +11951,7 @@
           <p:nvPr>
             <p:extLst>
               <p:ext uri="{D42A27DB-BD31-4B8C-83A1-F6EECF244321}">
-                <p14:modId xmlns:p14="http://schemas.microsoft.com/office/powerpoint/2010/main" val="294690676"/>
+                <p14:modId xmlns:p14="http://schemas.microsoft.com/office/powerpoint/2010/main" val="644985138"/>
               </p:ext>
             </p:extLst>
           </p:nvPr>
@@ -12127,7 +12086,7 @@
                             <a:schemeClr val="dk1"/>
                           </a:solidFill>
                         </a:rPr>
-                        <a:t>user_w_hj_edit_reward</a:t>
+                        <a:t>user_m_hj_edit_reward</a:t>
                       </a:r>
                       <a:endParaRPr sz="1100" b="0" u="none" strike="noStrike" cap="none" dirty="0">
                         <a:solidFill>
@@ -12287,15 +12246,7 @@
                             <a:schemeClr val="dk1"/>
                           </a:solidFill>
                         </a:rPr>
-                        <a:t>프로젝트 </a:t>
-                      </a:r>
-                      <a:r>
-                        <a:rPr lang="ko-KR" altLang="en-US" sz="1500" b="0" u="none" strike="noStrike" cap="none" dirty="0" smtClean="0">
-                          <a:solidFill>
-                            <a:schemeClr val="dk1"/>
-                          </a:solidFill>
-                        </a:rPr>
-                        <a:t>수정</a:t>
+                        <a:t>프로젝트 수정</a:t>
                       </a:r>
                       <a:endParaRPr sz="1500" b="0" u="none" strike="noStrike" cap="none" dirty="0">
                         <a:solidFill>
@@ -16482,15 +16433,7 @@
                             <a:schemeClr val="dk1"/>
                           </a:solidFill>
                         </a:rPr>
-                        <a:t>프로젝트 </a:t>
-                      </a:r>
-                      <a:r>
-                        <a:rPr lang="ko-KR" altLang="en-US" sz="1500" b="0" u="none" strike="noStrike" cap="none" dirty="0" smtClean="0">
-                          <a:solidFill>
-                            <a:schemeClr val="dk1"/>
-                          </a:solidFill>
-                        </a:rPr>
-                        <a:t>수정</a:t>
+                        <a:t>프로젝트 수정</a:t>
                       </a:r>
                       <a:endParaRPr sz="1500" b="0" u="none" strike="noStrike" cap="none" dirty="0">
                         <a:solidFill>
@@ -18842,15 +18785,7 @@
                             <a:schemeClr val="dk1"/>
                           </a:solidFill>
                         </a:rPr>
-                        <a:t>프로젝트 </a:t>
-                      </a:r>
-                      <a:r>
-                        <a:rPr lang="ko-KR" altLang="en-US" sz="1500" b="0" u="none" strike="noStrike" cap="none" dirty="0" smtClean="0">
-                          <a:solidFill>
-                            <a:schemeClr val="dk1"/>
-                          </a:solidFill>
-                        </a:rPr>
-                        <a:t>수정</a:t>
+                        <a:t>프로젝트 수정</a:t>
                       </a:r>
                       <a:endParaRPr sz="1500" b="0" u="none" strike="noStrike" cap="none" dirty="0">
                         <a:solidFill>
@@ -21557,15 +21492,7 @@
                             <a:schemeClr val="dk1"/>
                           </a:solidFill>
                         </a:rPr>
-                        <a:t>프로젝트 </a:t>
-                      </a:r>
-                      <a:r>
-                        <a:rPr lang="ko-KR" altLang="en-US" sz="1500" b="0" u="none" strike="noStrike" cap="none" dirty="0" smtClean="0">
-                          <a:solidFill>
-                            <a:schemeClr val="dk1"/>
-                          </a:solidFill>
-                        </a:rPr>
-                        <a:t>수정</a:t>
+                        <a:t>프로젝트 수정</a:t>
                       </a:r>
                       <a:endParaRPr sz="1500" b="0" u="none" strike="noStrike" cap="none" dirty="0">
                         <a:solidFill>
@@ -22707,17 +22634,12 @@
           <a:p>
             <a:r>
               <a:rPr lang="ko-KR" altLang="en-US" sz="1000" dirty="0" smtClean="0"/>
-              <a:t>프로젝트 </a:t>
-            </a:r>
-            <a:r>
-              <a:rPr lang="ko-KR" altLang="en-US" sz="1000" dirty="0" smtClean="0"/>
-              <a:t>수</a:t>
+              <a:t>프로젝트 수</a:t>
             </a:r>
             <a:r>
               <a:rPr lang="ko-KR" altLang="en-US" sz="1000" dirty="0"/>
               <a:t>정</a:t>
             </a:r>
-            <a:endParaRPr lang="ko-KR" altLang="en-US" sz="1000" dirty="0"/>
           </a:p>
         </p:txBody>
       </p:sp>
@@ -23605,15 +23527,7 @@
                             <a:schemeClr val="dk1"/>
                           </a:solidFill>
                         </a:rPr>
-                        <a:t>프로젝트 </a:t>
-                      </a:r>
-                      <a:r>
-                        <a:rPr lang="ko-KR" altLang="en-US" sz="1500" b="0" u="none" strike="noStrike" cap="none" dirty="0" smtClean="0">
-                          <a:solidFill>
-                            <a:schemeClr val="dk1"/>
-                          </a:solidFill>
-                        </a:rPr>
-                        <a:t>수정</a:t>
+                        <a:t>프로젝트 수정</a:t>
                       </a:r>
                       <a:endParaRPr sz="1500" b="0" u="none" strike="noStrike" cap="none" dirty="0">
                         <a:solidFill>
@@ -24824,17 +24738,12 @@
           <a:p>
             <a:r>
               <a:rPr lang="ko-KR" altLang="en-US" sz="1000" dirty="0" smtClean="0"/>
-              <a:t>프로젝트 </a:t>
-            </a:r>
-            <a:r>
-              <a:rPr lang="ko-KR" altLang="en-US" sz="1000" dirty="0" smtClean="0"/>
-              <a:t>수</a:t>
+              <a:t>프로젝트 수</a:t>
             </a:r>
             <a:r>
               <a:rPr lang="ko-KR" altLang="en-US" sz="1000" dirty="0"/>
               <a:t>정</a:t>
             </a:r>
-            <a:endParaRPr lang="ko-KR" altLang="en-US" sz="1000" dirty="0"/>
           </a:p>
         </p:txBody>
       </p:sp>
@@ -25214,15 +25123,7 @@
             <a:p>
               <a:r>
                 <a:rPr lang="ko-KR" altLang="en-US" sz="900" dirty="0" smtClean="0"/>
-                <a:t>프로젝트 종료 후 </a:t>
-              </a:r>
-              <a:r>
-                <a:rPr lang="ko-KR" altLang="en-US" sz="900" dirty="0" smtClean="0"/>
-                <a:t>입금 받으실 </a:t>
-              </a:r>
-              <a:r>
-                <a:rPr lang="ko-KR" altLang="en-US" sz="900" dirty="0" smtClean="0"/>
-                <a:t>계좌를 입력해주세요</a:t>
+                <a:t>프로젝트 종료 후 입금 받으실 계좌를 입력해주세요</a:t>
               </a:r>
               <a:r>
                 <a:rPr lang="en-US" altLang="ko-KR" sz="900" dirty="0" smtClean="0"/>
@@ -25981,15 +25882,7 @@
                             <a:schemeClr val="dk1"/>
                           </a:solidFill>
                         </a:rPr>
-                        <a:t>프로젝트 </a:t>
-                      </a:r>
-                      <a:r>
-                        <a:rPr lang="ko-KR" altLang="en-US" sz="1500" b="0" u="none" strike="noStrike" cap="none" dirty="0" smtClean="0">
-                          <a:solidFill>
-                            <a:schemeClr val="dk1"/>
-                          </a:solidFill>
-                        </a:rPr>
-                        <a:t>수정</a:t>
+                        <a:t>프로젝트 수정</a:t>
                       </a:r>
                       <a:endParaRPr sz="1500" b="0" u="none" strike="noStrike" cap="none" dirty="0">
                         <a:solidFill>
@@ -26180,7 +26073,7 @@
           <p:nvPr>
             <p:extLst>
               <p:ext uri="{D42A27DB-BD31-4B8C-83A1-F6EECF244321}">
-                <p14:modId xmlns:p14="http://schemas.microsoft.com/office/powerpoint/2010/main" val="3633479533"/>
+                <p14:modId xmlns:p14="http://schemas.microsoft.com/office/powerpoint/2010/main" val="3022354154"/>
               </p:ext>
             </p:extLst>
           </p:nvPr>
@@ -26315,7 +26208,7 @@
                             <a:schemeClr val="dk1"/>
                           </a:solidFill>
                         </a:rPr>
-                        <a:t>user_w_hj_edit_reward</a:t>
+                        <a:t>user_m_hj_edit_reward</a:t>
                       </a:r>
                       <a:endParaRPr sz="1100" b="0" u="none" strike="noStrike" cap="none" dirty="0">
                         <a:solidFill>
@@ -26475,15 +26368,7 @@
                             <a:schemeClr val="dk1"/>
                           </a:solidFill>
                         </a:rPr>
-                        <a:t>프로젝트 </a:t>
-                      </a:r>
-                      <a:r>
-                        <a:rPr lang="ko-KR" altLang="en-US" sz="1500" b="0" u="none" strike="noStrike" cap="none" dirty="0" smtClean="0">
-                          <a:solidFill>
-                            <a:schemeClr val="dk1"/>
-                          </a:solidFill>
-                        </a:rPr>
-                        <a:t>수정</a:t>
+                        <a:t>프로젝트 수정</a:t>
                       </a:r>
                       <a:endParaRPr sz="1500" b="0" u="none" strike="noStrike" cap="none" dirty="0">
                         <a:solidFill>
@@ -28578,7 +28463,7 @@
           <p:nvPr>
             <p:extLst>
               <p:ext uri="{D42A27DB-BD31-4B8C-83A1-F6EECF244321}">
-                <p14:modId xmlns:p14="http://schemas.microsoft.com/office/powerpoint/2010/main" val="671524416"/>
+                <p14:modId xmlns:p14="http://schemas.microsoft.com/office/powerpoint/2010/main" val="1637400022"/>
               </p:ext>
             </p:extLst>
           </p:nvPr>
@@ -28713,7 +28598,7 @@
                             <a:schemeClr val="dk1"/>
                           </a:solidFill>
                         </a:rPr>
-                        <a:t>user_w_hj_edit_reward</a:t>
+                        <a:t>user_m_hj_edit_reward</a:t>
                       </a:r>
                       <a:endParaRPr sz="1100" b="0" u="none" strike="noStrike" cap="none" dirty="0">
                         <a:solidFill>
@@ -28873,15 +28758,7 @@
                             <a:schemeClr val="dk1"/>
                           </a:solidFill>
                         </a:rPr>
-                        <a:t>프로젝트 </a:t>
-                      </a:r>
-                      <a:r>
-                        <a:rPr lang="ko-KR" altLang="en-US" sz="1500" b="0" u="none" strike="noStrike" cap="none" dirty="0" smtClean="0">
-                          <a:solidFill>
-                            <a:schemeClr val="dk1"/>
-                          </a:solidFill>
-                        </a:rPr>
-                        <a:t>수정</a:t>
+                        <a:t>프로젝트 수정</a:t>
                       </a:r>
                       <a:endParaRPr sz="1500" b="0" u="none" strike="noStrike" cap="none" dirty="0">
                         <a:solidFill>
@@ -30903,7 +30780,7 @@
           <p:nvPr>
             <p:extLst>
               <p:ext uri="{D42A27DB-BD31-4B8C-83A1-F6EECF244321}">
-                <p14:modId xmlns:p14="http://schemas.microsoft.com/office/powerpoint/2010/main" val="3753742393"/>
+                <p14:modId xmlns:p14="http://schemas.microsoft.com/office/powerpoint/2010/main" val="4017578670"/>
               </p:ext>
             </p:extLst>
           </p:nvPr>
@@ -31038,7 +30915,7 @@
                             <a:schemeClr val="dk1"/>
                           </a:solidFill>
                         </a:rPr>
-                        <a:t>user_w_hj_edit_reward</a:t>
+                        <a:t>user_m_hj_edit_reward</a:t>
                       </a:r>
                       <a:endParaRPr sz="1100" b="0" u="none" strike="noStrike" cap="none" dirty="0">
                         <a:solidFill>
@@ -31198,15 +31075,7 @@
                             <a:schemeClr val="dk1"/>
                           </a:solidFill>
                         </a:rPr>
-                        <a:t>프로젝트 </a:t>
-                      </a:r>
-                      <a:r>
-                        <a:rPr lang="ko-KR" altLang="en-US" sz="1500" b="0" u="none" strike="noStrike" cap="none" dirty="0" smtClean="0">
-                          <a:solidFill>
-                            <a:schemeClr val="dk1"/>
-                          </a:solidFill>
-                        </a:rPr>
-                        <a:t>수정</a:t>
+                        <a:t>프로젝트 수정</a:t>
                       </a:r>
                       <a:endParaRPr sz="1500" b="0" u="none" strike="noStrike" cap="none" dirty="0">
                         <a:solidFill>

--- a/gr2_lhj/user_w_hj_edit_reward.pptx
+++ b/gr2_lhj/user_w_hj_edit_reward.pptx
@@ -5225,7 +5225,15 @@
                             <a:schemeClr val="dk1"/>
                           </a:solidFill>
                         </a:rPr>
-                        <a:t>프로젝트 수정</a:t>
+                        <a:t>프로젝트 </a:t>
+                      </a:r>
+                      <a:r>
+                        <a:rPr lang="ko-KR" altLang="en-US" sz="1500" b="0" u="none" strike="noStrike" cap="none" dirty="0" smtClean="0">
+                          <a:solidFill>
+                            <a:schemeClr val="dk1"/>
+                          </a:solidFill>
+                        </a:rPr>
+                        <a:t>수정</a:t>
                       </a:r>
                       <a:endParaRPr sz="1500" b="0" u="none" strike="noStrike" cap="none" dirty="0">
                         <a:solidFill>
@@ -6181,7 +6189,19 @@
                       </a:pPr>
                       <a:r>
                         <a:rPr lang="ko-KR" altLang="en-US" sz="1300" b="0" u="none" strike="noStrike" cap="none" dirty="0" smtClean="0"/>
-                        <a:t>프로젝트를 수정을 위한 기본 정보들은 그대로 표시</a:t>
+                        <a:t>프로젝트를 </a:t>
+                      </a:r>
+                      <a:r>
+                        <a:rPr lang="ko-KR" altLang="en-US" sz="1300" b="0" u="none" strike="noStrike" cap="none" dirty="0" smtClean="0"/>
+                        <a:t>수정을 </a:t>
+                      </a:r>
+                      <a:r>
+                        <a:rPr lang="ko-KR" altLang="en-US" sz="1300" b="0" u="none" strike="noStrike" cap="none" dirty="0" smtClean="0"/>
+                        <a:t>위한 기본 </a:t>
+                      </a:r>
+                      <a:r>
+                        <a:rPr lang="ko-KR" altLang="en-US" sz="1300" b="0" u="none" strike="noStrike" cap="none" dirty="0" smtClean="0"/>
+                        <a:t>정보들은 그대로 표시</a:t>
                       </a:r>
                       <a:endParaRPr lang="en-US" altLang="ko-KR" sz="1300" b="0" u="none" strike="noStrike" cap="none" dirty="0" smtClean="0"/>
                     </a:p>
@@ -6426,12 +6446,17 @@
           <a:p>
             <a:r>
               <a:rPr lang="ko-KR" altLang="en-US" sz="1000" dirty="0" smtClean="0"/>
-              <a:t>프로젝트 수</a:t>
+              <a:t>프로젝트 </a:t>
+            </a:r>
+            <a:r>
+              <a:rPr lang="ko-KR" altLang="en-US" sz="1000" dirty="0" smtClean="0"/>
+              <a:t>수</a:t>
             </a:r>
             <a:r>
               <a:rPr lang="ko-KR" altLang="en-US" sz="1000" dirty="0"/>
               <a:t>정</a:t>
             </a:r>
+            <a:endParaRPr lang="ko-KR" altLang="en-US" sz="1000" dirty="0"/>
           </a:p>
         </p:txBody>
       </p:sp>
@@ -7396,7 +7421,7 @@
           <p:nvPr>
             <p:extLst>
               <p:ext uri="{D42A27DB-BD31-4B8C-83A1-F6EECF244321}">
-                <p14:modId xmlns:p14="http://schemas.microsoft.com/office/powerpoint/2010/main" val="3714253762"/>
+                <p14:modId xmlns:p14="http://schemas.microsoft.com/office/powerpoint/2010/main" val="3998622837"/>
               </p:ext>
             </p:extLst>
           </p:nvPr>
@@ -7531,7 +7556,7 @@
                             <a:schemeClr val="dk1"/>
                           </a:solidFill>
                         </a:rPr>
-                        <a:t>user_m_hj_edit_reward</a:t>
+                        <a:t>user_w_hj_edit_reward</a:t>
                       </a:r>
                       <a:endParaRPr sz="1100" b="0" u="none" strike="noStrike" cap="none" dirty="0">
                         <a:solidFill>
@@ -7691,7 +7716,15 @@
                             <a:schemeClr val="dk1"/>
                           </a:solidFill>
                         </a:rPr>
-                        <a:t>프로젝트 수정</a:t>
+                        <a:t>프로젝트 </a:t>
+                      </a:r>
+                      <a:r>
+                        <a:rPr lang="ko-KR" altLang="en-US" sz="1500" b="0" u="none" strike="noStrike" cap="none" dirty="0" smtClean="0">
+                          <a:solidFill>
+                            <a:schemeClr val="dk1"/>
+                          </a:solidFill>
+                        </a:rPr>
+                        <a:t>수정</a:t>
                       </a:r>
                       <a:endParaRPr sz="1500" b="0" u="none" strike="noStrike" cap="none" dirty="0">
                         <a:solidFill>
@@ -10011,7 +10044,7 @@
           <p:nvPr>
             <p:extLst>
               <p:ext uri="{D42A27DB-BD31-4B8C-83A1-F6EECF244321}">
-                <p14:modId xmlns:p14="http://schemas.microsoft.com/office/powerpoint/2010/main" val="3652679392"/>
+                <p14:modId xmlns:p14="http://schemas.microsoft.com/office/powerpoint/2010/main" val="3202133779"/>
               </p:ext>
             </p:extLst>
           </p:nvPr>
@@ -10146,7 +10179,7 @@
                             <a:schemeClr val="dk1"/>
                           </a:solidFill>
                         </a:rPr>
-                        <a:t>user_m_hj_edit_reward</a:t>
+                        <a:t>user_w_hj_edit_reward</a:t>
                       </a:r>
                       <a:endParaRPr sz="1100" b="0" u="none" strike="noStrike" cap="none" dirty="0">
                         <a:solidFill>
@@ -10306,7 +10339,15 @@
                             <a:schemeClr val="dk1"/>
                           </a:solidFill>
                         </a:rPr>
-                        <a:t>프로젝트 수정</a:t>
+                        <a:t>프로젝트 </a:t>
+                      </a:r>
+                      <a:r>
+                        <a:rPr lang="ko-KR" altLang="en-US" sz="1500" b="0" u="none" strike="noStrike" cap="none" dirty="0" smtClean="0">
+                          <a:solidFill>
+                            <a:schemeClr val="dk1"/>
+                          </a:solidFill>
+                        </a:rPr>
+                        <a:t>수정</a:t>
                       </a:r>
                       <a:endParaRPr sz="1500" b="0" u="none" strike="noStrike" cap="none" dirty="0">
                         <a:solidFill>
@@ -11951,7 +11992,7 @@
           <p:nvPr>
             <p:extLst>
               <p:ext uri="{D42A27DB-BD31-4B8C-83A1-F6EECF244321}">
-                <p14:modId xmlns:p14="http://schemas.microsoft.com/office/powerpoint/2010/main" val="644985138"/>
+                <p14:modId xmlns:p14="http://schemas.microsoft.com/office/powerpoint/2010/main" val="294690676"/>
               </p:ext>
             </p:extLst>
           </p:nvPr>
@@ -12086,7 +12127,7 @@
                             <a:schemeClr val="dk1"/>
                           </a:solidFill>
                         </a:rPr>
-                        <a:t>user_m_hj_edit_reward</a:t>
+                        <a:t>user_w_hj_edit_reward</a:t>
                       </a:r>
                       <a:endParaRPr sz="1100" b="0" u="none" strike="noStrike" cap="none" dirty="0">
                         <a:solidFill>
@@ -12246,7 +12287,15 @@
                             <a:schemeClr val="dk1"/>
                           </a:solidFill>
                         </a:rPr>
-                        <a:t>프로젝트 수정</a:t>
+                        <a:t>프로젝트 </a:t>
+                      </a:r>
+                      <a:r>
+                        <a:rPr lang="ko-KR" altLang="en-US" sz="1500" b="0" u="none" strike="noStrike" cap="none" dirty="0" smtClean="0">
+                          <a:solidFill>
+                            <a:schemeClr val="dk1"/>
+                          </a:solidFill>
+                        </a:rPr>
+                        <a:t>수정</a:t>
                       </a:r>
                       <a:endParaRPr sz="1500" b="0" u="none" strike="noStrike" cap="none" dirty="0">
                         <a:solidFill>
@@ -16433,7 +16482,15 @@
                             <a:schemeClr val="dk1"/>
                           </a:solidFill>
                         </a:rPr>
-                        <a:t>프로젝트 수정</a:t>
+                        <a:t>프로젝트 </a:t>
+                      </a:r>
+                      <a:r>
+                        <a:rPr lang="ko-KR" altLang="en-US" sz="1500" b="0" u="none" strike="noStrike" cap="none" dirty="0" smtClean="0">
+                          <a:solidFill>
+                            <a:schemeClr val="dk1"/>
+                          </a:solidFill>
+                        </a:rPr>
+                        <a:t>수정</a:t>
                       </a:r>
                       <a:endParaRPr sz="1500" b="0" u="none" strike="noStrike" cap="none" dirty="0">
                         <a:solidFill>
@@ -18785,7 +18842,15 @@
                             <a:schemeClr val="dk1"/>
                           </a:solidFill>
                         </a:rPr>
-                        <a:t>프로젝트 수정</a:t>
+                        <a:t>프로젝트 </a:t>
+                      </a:r>
+                      <a:r>
+                        <a:rPr lang="ko-KR" altLang="en-US" sz="1500" b="0" u="none" strike="noStrike" cap="none" dirty="0" smtClean="0">
+                          <a:solidFill>
+                            <a:schemeClr val="dk1"/>
+                          </a:solidFill>
+                        </a:rPr>
+                        <a:t>수정</a:t>
                       </a:r>
                       <a:endParaRPr sz="1500" b="0" u="none" strike="noStrike" cap="none" dirty="0">
                         <a:solidFill>
@@ -21492,7 +21557,15 @@
                             <a:schemeClr val="dk1"/>
                           </a:solidFill>
                         </a:rPr>
-                        <a:t>프로젝트 수정</a:t>
+                        <a:t>프로젝트 </a:t>
+                      </a:r>
+                      <a:r>
+                        <a:rPr lang="ko-KR" altLang="en-US" sz="1500" b="0" u="none" strike="noStrike" cap="none" dirty="0" smtClean="0">
+                          <a:solidFill>
+                            <a:schemeClr val="dk1"/>
+                          </a:solidFill>
+                        </a:rPr>
+                        <a:t>수정</a:t>
                       </a:r>
                       <a:endParaRPr sz="1500" b="0" u="none" strike="noStrike" cap="none" dirty="0">
                         <a:solidFill>
@@ -22634,12 +22707,17 @@
           <a:p>
             <a:r>
               <a:rPr lang="ko-KR" altLang="en-US" sz="1000" dirty="0" smtClean="0"/>
-              <a:t>프로젝트 수</a:t>
+              <a:t>프로젝트 </a:t>
+            </a:r>
+            <a:r>
+              <a:rPr lang="ko-KR" altLang="en-US" sz="1000" dirty="0" smtClean="0"/>
+              <a:t>수</a:t>
             </a:r>
             <a:r>
               <a:rPr lang="ko-KR" altLang="en-US" sz="1000" dirty="0"/>
               <a:t>정</a:t>
             </a:r>
+            <a:endParaRPr lang="ko-KR" altLang="en-US" sz="1000" dirty="0"/>
           </a:p>
         </p:txBody>
       </p:sp>
@@ -23527,7 +23605,15 @@
                             <a:schemeClr val="dk1"/>
                           </a:solidFill>
                         </a:rPr>
-                        <a:t>프로젝트 수정</a:t>
+                        <a:t>프로젝트 </a:t>
+                      </a:r>
+                      <a:r>
+                        <a:rPr lang="ko-KR" altLang="en-US" sz="1500" b="0" u="none" strike="noStrike" cap="none" dirty="0" smtClean="0">
+                          <a:solidFill>
+                            <a:schemeClr val="dk1"/>
+                          </a:solidFill>
+                        </a:rPr>
+                        <a:t>수정</a:t>
                       </a:r>
                       <a:endParaRPr sz="1500" b="0" u="none" strike="noStrike" cap="none" dirty="0">
                         <a:solidFill>
@@ -24738,12 +24824,17 @@
           <a:p>
             <a:r>
               <a:rPr lang="ko-KR" altLang="en-US" sz="1000" dirty="0" smtClean="0"/>
-              <a:t>프로젝트 수</a:t>
+              <a:t>프로젝트 </a:t>
+            </a:r>
+            <a:r>
+              <a:rPr lang="ko-KR" altLang="en-US" sz="1000" dirty="0" smtClean="0"/>
+              <a:t>수</a:t>
             </a:r>
             <a:r>
               <a:rPr lang="ko-KR" altLang="en-US" sz="1000" dirty="0"/>
               <a:t>정</a:t>
             </a:r>
+            <a:endParaRPr lang="ko-KR" altLang="en-US" sz="1000" dirty="0"/>
           </a:p>
         </p:txBody>
       </p:sp>
@@ -25123,7 +25214,15 @@
             <a:p>
               <a:r>
                 <a:rPr lang="ko-KR" altLang="en-US" sz="900" dirty="0" smtClean="0"/>
-                <a:t>프로젝트 종료 후 입금 받으실 계좌를 입력해주세요</a:t>
+                <a:t>프로젝트 종료 후 </a:t>
+              </a:r>
+              <a:r>
+                <a:rPr lang="ko-KR" altLang="en-US" sz="900" dirty="0" smtClean="0"/>
+                <a:t>입금 받으실 </a:t>
+              </a:r>
+              <a:r>
+                <a:rPr lang="ko-KR" altLang="en-US" sz="900" dirty="0" smtClean="0"/>
+                <a:t>계좌를 입력해주세요</a:t>
               </a:r>
               <a:r>
                 <a:rPr lang="en-US" altLang="ko-KR" sz="900" dirty="0" smtClean="0"/>
@@ -25882,7 +25981,15 @@
                             <a:schemeClr val="dk1"/>
                           </a:solidFill>
                         </a:rPr>
-                        <a:t>프로젝트 수정</a:t>
+                        <a:t>프로젝트 </a:t>
+                      </a:r>
+                      <a:r>
+                        <a:rPr lang="ko-KR" altLang="en-US" sz="1500" b="0" u="none" strike="noStrike" cap="none" dirty="0" smtClean="0">
+                          <a:solidFill>
+                            <a:schemeClr val="dk1"/>
+                          </a:solidFill>
+                        </a:rPr>
+                        <a:t>수정</a:t>
                       </a:r>
                       <a:endParaRPr sz="1500" b="0" u="none" strike="noStrike" cap="none" dirty="0">
                         <a:solidFill>
@@ -26073,7 +26180,7 @@
           <p:nvPr>
             <p:extLst>
               <p:ext uri="{D42A27DB-BD31-4B8C-83A1-F6EECF244321}">
-                <p14:modId xmlns:p14="http://schemas.microsoft.com/office/powerpoint/2010/main" val="3022354154"/>
+                <p14:modId xmlns:p14="http://schemas.microsoft.com/office/powerpoint/2010/main" val="3633479533"/>
               </p:ext>
             </p:extLst>
           </p:nvPr>
@@ -26208,7 +26315,7 @@
                             <a:schemeClr val="dk1"/>
                           </a:solidFill>
                         </a:rPr>
-                        <a:t>user_m_hj_edit_reward</a:t>
+                        <a:t>user_w_hj_edit_reward</a:t>
                       </a:r>
                       <a:endParaRPr sz="1100" b="0" u="none" strike="noStrike" cap="none" dirty="0">
                         <a:solidFill>
@@ -26368,7 +26475,15 @@
                             <a:schemeClr val="dk1"/>
                           </a:solidFill>
                         </a:rPr>
-                        <a:t>프로젝트 수정</a:t>
+                        <a:t>프로젝트 </a:t>
+                      </a:r>
+                      <a:r>
+                        <a:rPr lang="ko-KR" altLang="en-US" sz="1500" b="0" u="none" strike="noStrike" cap="none" dirty="0" smtClean="0">
+                          <a:solidFill>
+                            <a:schemeClr val="dk1"/>
+                          </a:solidFill>
+                        </a:rPr>
+                        <a:t>수정</a:t>
                       </a:r>
                       <a:endParaRPr sz="1500" b="0" u="none" strike="noStrike" cap="none" dirty="0">
                         <a:solidFill>
@@ -28463,7 +28578,7 @@
           <p:nvPr>
             <p:extLst>
               <p:ext uri="{D42A27DB-BD31-4B8C-83A1-F6EECF244321}">
-                <p14:modId xmlns:p14="http://schemas.microsoft.com/office/powerpoint/2010/main" val="1637400022"/>
+                <p14:modId xmlns:p14="http://schemas.microsoft.com/office/powerpoint/2010/main" val="671524416"/>
               </p:ext>
             </p:extLst>
           </p:nvPr>
@@ -28598,7 +28713,7 @@
                             <a:schemeClr val="dk1"/>
                           </a:solidFill>
                         </a:rPr>
-                        <a:t>user_m_hj_edit_reward</a:t>
+                        <a:t>user_w_hj_edit_reward</a:t>
                       </a:r>
                       <a:endParaRPr sz="1100" b="0" u="none" strike="noStrike" cap="none" dirty="0">
                         <a:solidFill>
@@ -28758,7 +28873,15 @@
                             <a:schemeClr val="dk1"/>
                           </a:solidFill>
                         </a:rPr>
-                        <a:t>프로젝트 수정</a:t>
+                        <a:t>프로젝트 </a:t>
+                      </a:r>
+                      <a:r>
+                        <a:rPr lang="ko-KR" altLang="en-US" sz="1500" b="0" u="none" strike="noStrike" cap="none" dirty="0" smtClean="0">
+                          <a:solidFill>
+                            <a:schemeClr val="dk1"/>
+                          </a:solidFill>
+                        </a:rPr>
+                        <a:t>수정</a:t>
                       </a:r>
                       <a:endParaRPr sz="1500" b="0" u="none" strike="noStrike" cap="none" dirty="0">
                         <a:solidFill>
@@ -30780,7 +30903,7 @@
           <p:nvPr>
             <p:extLst>
               <p:ext uri="{D42A27DB-BD31-4B8C-83A1-F6EECF244321}">
-                <p14:modId xmlns:p14="http://schemas.microsoft.com/office/powerpoint/2010/main" val="4017578670"/>
+                <p14:modId xmlns:p14="http://schemas.microsoft.com/office/powerpoint/2010/main" val="3753742393"/>
               </p:ext>
             </p:extLst>
           </p:nvPr>
@@ -30915,7 +31038,7 @@
                             <a:schemeClr val="dk1"/>
                           </a:solidFill>
                         </a:rPr>
-                        <a:t>user_m_hj_edit_reward</a:t>
+                        <a:t>user_w_hj_edit_reward</a:t>
                       </a:r>
                       <a:endParaRPr sz="1100" b="0" u="none" strike="noStrike" cap="none" dirty="0">
                         <a:solidFill>
@@ -31075,7 +31198,15 @@
                             <a:schemeClr val="dk1"/>
                           </a:solidFill>
                         </a:rPr>
-                        <a:t>프로젝트 수정</a:t>
+                        <a:t>프로젝트 </a:t>
+                      </a:r>
+                      <a:r>
+                        <a:rPr lang="ko-KR" altLang="en-US" sz="1500" b="0" u="none" strike="noStrike" cap="none" dirty="0" smtClean="0">
+                          <a:solidFill>
+                            <a:schemeClr val="dk1"/>
+                          </a:solidFill>
+                        </a:rPr>
+                        <a:t>수정</a:t>
                       </a:r>
                       <a:endParaRPr sz="1500" b="0" u="none" strike="noStrike" cap="none" dirty="0">
                         <a:solidFill>
